--- a/javabase1Jvm/src/main/java/com/javabase/jvm1runtime/runtimeDetail/6.类装载器.pptx
+++ b/javabase1Jvm/src/main/java/com/javabase/jvm1runtime/runtimeDetail/6.类装载器.pptx
@@ -3978,9 +3978,29 @@
             </a:r>
             <a:r>
               <a:rPr lang="zh-CN" altLang="en-US" dirty="0" smtClean="0"/>
-              <a:t>作为父亲</a:t>
-            </a:r>
-            <a:endParaRPr lang="zh-CN" altLang="en-US" dirty="0"/>
+              <a:t>作为父亲   </a:t>
+            </a:r>
+            <a:r>
+              <a:rPr lang="zh-CN" altLang="en-US" dirty="0" smtClean="0">
+                <a:sym typeface="+mn-ea"/>
+              </a:rPr>
+              <a:t>启动</a:t>
+            </a:r>
+            <a:r>
+              <a:rPr lang="en-US" altLang="zh-CN" dirty="0" err="1" smtClean="0">
+                <a:sym typeface="+mn-ea"/>
+              </a:rPr>
+              <a:t>ClassLoader</a:t>
+            </a:r>
+            <a:r>
+              <a:rPr lang="zh-CN" altLang="en-US" dirty="0" err="1" smtClean="0">
+                <a:sym typeface="+mn-ea"/>
+              </a:rPr>
+              <a:t>没有的</a:t>
+            </a:r>
+            <a:endParaRPr lang="zh-CN" altLang="en-US" dirty="0" err="1" smtClean="0">
+              <a:sym typeface="+mn-ea"/>
+            </a:endParaRPr>
           </a:p>
         </p:txBody>
       </p:sp>
@@ -4086,7 +4106,7 @@
         </p:blipFill>
         <p:spPr bwMode="auto">
           <a:xfrm>
-            <a:off x="2889190" y="1455061"/>
+            <a:off x="2903160" y="1438551"/>
             <a:ext cx="2286000" cy="3857625"/>
           </a:xfrm>
           <a:prstGeom prst="rect">
@@ -4339,7 +4359,7 @@
         <p:spPr>
           <a:xfrm>
             <a:off x="5454278" y="3749624"/>
-            <a:ext cx="3312368" cy="369332"/>
+            <a:ext cx="3312368" cy="368300"/>
           </a:xfrm>
           <a:prstGeom prst="rect">
             <a:avLst/>
@@ -4371,9 +4391,9 @@
             </a:r>
             <a:r>
               <a:rPr lang="zh-CN" altLang="en-US" dirty="0" smtClean="0"/>
-              <a:t>下</a:t>
-            </a:r>
-            <a:endParaRPr lang="zh-CN" altLang="en-US" dirty="0"/>
+              <a:t>下 自己写的类</a:t>
+            </a:r>
+            <a:endParaRPr lang="zh-CN" altLang="en-US" dirty="0" smtClean="0"/>
           </a:p>
         </p:txBody>
       </p:sp>
@@ -4813,7 +4833,7 @@
     <p:bldLst>
       <p:bldP spid="4" grpId="0" animBg="1"/>
       <p:bldP spid="13" grpId="0" animBg="1"/>
-      <p:bldP spid="14" grpId="0" animBg="1"/>
+      <p:bldP spid="14" grpId="0" bldLvl="0" animBg="1"/>
       <p:bldP spid="15" grpId="0" animBg="1"/>
     </p:bldLst>
   </p:timing>
@@ -13422,7 +13442,11 @@
             </a:r>
             <a:r>
               <a:rPr lang="zh-CN" altLang="en-US" dirty="0" smtClean="0"/>
-              <a:t>可以定制，满足不同的字节码流获取方式</a:t>
+              <a:t>可以定制，满足不同的字节码流获取方式（网络上装载，本地等方式</a:t>
+            </a:r>
+            <a:r>
+              <a:rPr lang="zh-CN" altLang="en-US" dirty="0" smtClean="0"/>
+              <a:t>）</a:t>
             </a:r>
             <a:endParaRPr lang="en-US" altLang="zh-CN" dirty="0" smtClean="0"/>
           </a:p>
